--- a/LSMSDB_Project IDEA Presentatio Template25_26.pptx
+++ b/LSMSDB_Project IDEA Presentatio Template25_26.pptx
@@ -136,9 +136,7 @@
 <file path=ppt/revisionInfo.xml><?xml version="1.0" encoding="utf-8"?>
 <p1510:revInfo xmlns:a="http://schemas.openxmlformats.org/drawingml/2006/main" xmlns:r="http://schemas.openxmlformats.org/officeDocument/2006/relationships" xmlns:p1510="http://schemas.microsoft.com/office/powerpoint/2015/10/main">
   <p1510:revLst>
-    <p1510:client id="{2610450D-475C-E3C1-161D-11AB9F17F776}" v="4" dt="2025-12-03T14:44:10.138"/>
-    <p1510:client id="{907469B0-B4E0-EA60-165E-439920012971}" v="57" dt="2025-12-02T15:50:29.797"/>
-    <p1510:client id="{C7D6BCB8-0B71-A291-1AC0-5B6E2B51D1DC}" v="7" dt="2025-12-02T14:09:17.083"/>
+    <p1510:client id="{551638AE-73E9-B807-B7B7-90278A9F62CE}" v="2" dt="2025-12-15T08:47:54.694"/>
   </p1510:revLst>
 </p1510:revInfo>
 </file>
@@ -225,7 +223,7 @@
           <a:p>
             <a:fld id="{0EF95162-6873-F647-B392-BF6A1F606277}" type="datetimeFigureOut">
               <a:rPr lang="it-IT" smtClean="0"/>
-              <a:t>03/12/2025</a:t>
+              <a:t>15/12/2025</a:t>
             </a:fld>
             <a:endParaRPr lang="it-IT"/>
           </a:p>
@@ -537,25 +535,25 @@
           <a:lstStyle/>
           <a:p>
             <a:r>
-              <a:rPr lang="en-US" dirty="0" err="1"/>
+              <a:rPr lang="en-US" err="1"/>
               <a:t>BeerHub</a:t>
             </a:r>
             <a:r>
-              <a:rPr lang="en-US" dirty="0"/>
+              <a:rPr lang="en-US"/>
               <a:t> is an application designed to allow users to easily explore a large collection of beers obtained from multiple real-world sources. The application enables beer search through several criteria, provides detailed beer information, and allows users to read reviews written by other users.</a:t>
             </a:r>
-            <a:endParaRPr lang="it-IT" dirty="0"/>
-          </a:p>
-          <a:p>
-            <a:r>
-              <a:rPr lang="en-US" dirty="0"/>
+            <a:endParaRPr lang="it-IT"/>
+          </a:p>
+          <a:p>
+            <a:r>
+              <a:rPr lang="en-US"/>
               <a:t>Registered users can contribute by sharing their own evaluations and by following the breweries they are interested in. There is also a social part of the application: the system identifies users with similar taste profiles, helping them discover people with comparable preferences.</a:t>
             </a:r>
-            <a:endParaRPr lang="it-IT" dirty="0"/>
-          </a:p>
-          <a:p>
-            <a:r>
-              <a:rPr lang="en-US" dirty="0">
+            <a:endParaRPr lang="it-IT"/>
+          </a:p>
+          <a:p>
+            <a:r>
+              <a:rPr lang="en-US">
                 <a:ea typeface="Calibri"/>
                 <a:cs typeface="Calibri"/>
               </a:rPr>
@@ -653,7 +651,15 @@
           <a:p>
             <a:r>
               <a:rPr lang="en-US"/>
-              <a:t>The unregistered user can sign up and browse beers and breweries, viewing their details but without being able to write reviews or access personalised suggestions.</a:t>
+              <a:t>The unregistered user can sign up and browse beers and breweries, viewing their details but without being able to write reviews or access </a:t>
+            </a:r>
+            <a:r>
+              <a:rPr lang="en-US" err="1"/>
+              <a:t>personalised</a:t>
+            </a:r>
+            <a:r>
+              <a:rPr lang="en-US"/>
+              <a:t> suggestions.</a:t>
             </a:r>
             <a:endParaRPr lang="it-IT"/>
           </a:p>
@@ -672,10 +678,19 @@
             <a:endParaRPr lang="it-IT"/>
           </a:p>
           <a:p>
-            <a:endParaRPr lang="en-US">
-              <a:ea typeface="Calibri"/>
-              <a:cs typeface="Calibri"/>
-            </a:endParaRPr>
+            <a:br>
+              <a:rPr lang="en-US">
+                <a:ea typeface="Calibri"/>
+                <a:cs typeface="Calibri"/>
+              </a:rPr>
+            </a:br>
+            <a:r>
+              <a:rPr lang="en-US">
+                <a:ea typeface="Calibri"/>
+                <a:cs typeface="Calibri"/>
+              </a:rPr>
+              <a:t>We can also se the mockup for the main page of the app, in which a user can access to the browsing function with filters for beers and breweries and the results are shown as a list below. A registered user can also access higher level functionalities such as suggestion, simple statistics and review writing, and to social functionality too.</a:t>
+            </a:r>
           </a:p>
         </p:txBody>
       </p:sp>
@@ -760,30 +775,281 @@
           <a:lstStyle/>
           <a:p>
             <a:r>
-              <a:rPr lang="en-US"/>
-              <a:t>This project integrates data from three different sources: Kaggle for beers and breweries, OpenDataBay for beer profiles and ratings, and RandomUser for the generation of synthetic user profiles.</a:t>
-            </a:r>
-            <a:endParaRPr lang="it-IT"/>
-          </a:p>
-          <a:p>
-            <a:r>
-              <a:rPr lang="en-US"/>
-              <a:t>The combined dataset contains information about beers and their characteristics, breweries, user reviews, and synthetic user profiles aligned with the reviews, for a total volume of about 56MB.</a:t>
-            </a:r>
-            <a:endParaRPr lang="it-IT"/>
-          </a:p>
-          <a:p>
-            <a:r>
-              <a:rPr lang="en-US"/>
-              <a:t>We ensured data variety using multiple independent sources, but also from the integration of the two beer datasets from Kaggle and OpenDataBay. Overall, the dataset contains several types of information — beer characteristics, brewery information, review text and user demographics — which contribute to its heterogeneity.</a:t>
-            </a:r>
-            <a:endParaRPr lang="it-IT"/>
-          </a:p>
-          <a:p>
-            <a:endParaRPr lang="en-US">
-              <a:ea typeface="Calibri"/>
-              <a:cs typeface="Calibri"/>
-            </a:endParaRPr>
+              <a:rPr lang="it-IT"/>
+              <a:t>In the second </a:t>
+            </a:r>
+            <a:r>
+              <a:rPr lang="it-IT" err="1"/>
+              <a:t>mockup</a:t>
+            </a:r>
+            <a:r>
+              <a:rPr lang="it-IT"/>
+              <a:t> </a:t>
+            </a:r>
+            <a:r>
+              <a:rPr lang="it-IT" err="1"/>
+              <a:t>we</a:t>
+            </a:r>
+            <a:r>
+              <a:rPr lang="it-IT"/>
+              <a:t> </a:t>
+            </a:r>
+            <a:r>
+              <a:rPr lang="it-IT" err="1"/>
+              <a:t>see</a:t>
+            </a:r>
+            <a:r>
+              <a:rPr lang="it-IT"/>
+              <a:t> the tab for </a:t>
+            </a:r>
+            <a:r>
+              <a:rPr lang="it-IT" err="1"/>
+              <a:t>beer</a:t>
+            </a:r>
+            <a:r>
+              <a:rPr lang="it-IT"/>
+              <a:t> and </a:t>
+            </a:r>
+            <a:r>
+              <a:rPr lang="it-IT" err="1"/>
+              <a:t>breweries</a:t>
+            </a:r>
+            <a:r>
+              <a:rPr lang="it-IT"/>
+              <a:t> </a:t>
+            </a:r>
+            <a:r>
+              <a:rPr lang="it-IT" err="1"/>
+              <a:t>where</a:t>
+            </a:r>
+            <a:r>
+              <a:rPr lang="it-IT"/>
+              <a:t> info </a:t>
+            </a:r>
+            <a:r>
+              <a:rPr lang="it-IT" err="1"/>
+              <a:t>is</a:t>
+            </a:r>
+            <a:r>
+              <a:rPr lang="it-IT"/>
+              <a:t>  </a:t>
+            </a:r>
+            <a:r>
+              <a:rPr lang="it-IT" err="1"/>
+              <a:t>shown</a:t>
+            </a:r>
+            <a:r>
+              <a:rPr lang="it-IT"/>
+              <a:t>. On the </a:t>
+            </a:r>
+            <a:r>
+              <a:rPr lang="it-IT" err="1"/>
+              <a:t>beer</a:t>
+            </a:r>
+            <a:r>
+              <a:rPr lang="it-IT"/>
+              <a:t> tab </a:t>
+            </a:r>
+            <a:r>
+              <a:rPr lang="it-IT" err="1"/>
+              <a:t>we</a:t>
+            </a:r>
+            <a:r>
+              <a:rPr lang="it-IT"/>
+              <a:t> can look </a:t>
+            </a:r>
+            <a:r>
+              <a:rPr lang="it-IT" err="1"/>
+              <a:t>at</a:t>
+            </a:r>
+            <a:r>
+              <a:rPr lang="it-IT"/>
+              <a:t> the </a:t>
+            </a:r>
+            <a:r>
+              <a:rPr lang="it-IT" err="1"/>
+              <a:t>avg</a:t>
+            </a:r>
+            <a:r>
+              <a:rPr lang="it-IT"/>
+              <a:t> score </a:t>
+            </a:r>
+            <a:r>
+              <a:rPr lang="it-IT" err="1"/>
+              <a:t>computed</a:t>
+            </a:r>
+            <a:r>
+              <a:rPr lang="it-IT"/>
+              <a:t> from ratings, </a:t>
+            </a:r>
+            <a:r>
+              <a:rPr lang="it-IT" err="1"/>
+              <a:t>read</a:t>
+            </a:r>
+            <a:r>
+              <a:rPr lang="it-IT"/>
+              <a:t> </a:t>
+            </a:r>
+            <a:r>
+              <a:rPr lang="it-IT" err="1"/>
+              <a:t>latest</a:t>
+            </a:r>
+            <a:r>
+              <a:rPr lang="it-IT"/>
+              <a:t> reviews and a </a:t>
+            </a:r>
+            <a:r>
+              <a:rPr lang="it-IT" err="1"/>
+              <a:t>registered</a:t>
+            </a:r>
+            <a:r>
+              <a:rPr lang="it-IT"/>
+              <a:t> user </a:t>
+            </a:r>
+            <a:r>
+              <a:rPr lang="it-IT" err="1"/>
+              <a:t>may</a:t>
+            </a:r>
+            <a:r>
+              <a:rPr lang="it-IT"/>
+              <a:t> </a:t>
+            </a:r>
+            <a:r>
+              <a:rPr lang="it-IT" err="1"/>
+              <a:t>write</a:t>
+            </a:r>
+            <a:r>
+              <a:rPr lang="it-IT"/>
+              <a:t> </a:t>
+            </a:r>
+            <a:r>
+              <a:rPr lang="it-IT" err="1"/>
+              <a:t>its</a:t>
+            </a:r>
+            <a:r>
+              <a:rPr lang="it-IT"/>
+              <a:t> </a:t>
+            </a:r>
+            <a:r>
+              <a:rPr lang="it-IT" err="1"/>
+              <a:t>own</a:t>
+            </a:r>
+            <a:r>
+              <a:rPr lang="it-IT"/>
+              <a:t> review. On the </a:t>
+            </a:r>
+            <a:r>
+              <a:rPr lang="it-IT" err="1"/>
+              <a:t>brewery</a:t>
+            </a:r>
+            <a:r>
+              <a:rPr lang="it-IT"/>
+              <a:t> tab one can </a:t>
+            </a:r>
+            <a:r>
+              <a:rPr lang="it-IT" err="1"/>
+              <a:t>read</a:t>
+            </a:r>
+            <a:r>
+              <a:rPr lang="it-IT"/>
+              <a:t> the </a:t>
+            </a:r>
+            <a:r>
+              <a:rPr lang="it-IT" err="1"/>
+              <a:t>main</a:t>
+            </a:r>
+            <a:r>
+              <a:rPr lang="it-IT"/>
+              <a:t> info </a:t>
+            </a:r>
+            <a:r>
+              <a:rPr lang="it-IT" err="1"/>
+              <a:t>about</a:t>
+            </a:r>
+            <a:r>
+              <a:rPr lang="it-IT"/>
+              <a:t> </a:t>
+            </a:r>
+            <a:r>
+              <a:rPr lang="it-IT" err="1"/>
+              <a:t>it</a:t>
+            </a:r>
+            <a:r>
+              <a:rPr lang="it-IT"/>
+              <a:t>, look </a:t>
+            </a:r>
+            <a:r>
+              <a:rPr lang="it-IT" err="1"/>
+              <a:t>at</a:t>
+            </a:r>
+            <a:r>
+              <a:rPr lang="it-IT"/>
+              <a:t> a list of </a:t>
+            </a:r>
+            <a:r>
+              <a:rPr lang="it-IT" err="1"/>
+              <a:t>beers</a:t>
+            </a:r>
+            <a:r>
+              <a:rPr lang="it-IT"/>
+              <a:t> </a:t>
+            </a:r>
+            <a:r>
+              <a:rPr lang="it-IT" err="1"/>
+              <a:t>produced</a:t>
+            </a:r>
+            <a:r>
+              <a:rPr lang="it-IT"/>
+              <a:t> by </a:t>
+            </a:r>
+            <a:r>
+              <a:rPr lang="it-IT" err="1"/>
+              <a:t>it</a:t>
+            </a:r>
+            <a:r>
+              <a:rPr lang="it-IT"/>
+              <a:t> and a </a:t>
+            </a:r>
+            <a:r>
+              <a:rPr lang="it-IT" err="1"/>
+              <a:t>registered</a:t>
+            </a:r>
+            <a:r>
+              <a:rPr lang="it-IT"/>
+              <a:t> user </a:t>
+            </a:r>
+            <a:r>
+              <a:rPr lang="it-IT" err="1"/>
+              <a:t>will</a:t>
+            </a:r>
+            <a:r>
+              <a:rPr lang="it-IT"/>
+              <a:t> be </a:t>
+            </a:r>
+            <a:r>
+              <a:rPr lang="it-IT" err="1"/>
+              <a:t>able</a:t>
+            </a:r>
+            <a:r>
+              <a:rPr lang="it-IT"/>
+              <a:t> to follow / </a:t>
+            </a:r>
+            <a:r>
+              <a:rPr lang="it-IT" err="1"/>
+              <a:t>unfollow</a:t>
+            </a:r>
+            <a:r>
+              <a:rPr lang="it-IT"/>
+              <a:t> </a:t>
+            </a:r>
+            <a:r>
+              <a:rPr lang="it-IT" err="1"/>
+              <a:t>it</a:t>
+            </a:r>
+            <a:r>
+              <a:rPr lang="it-IT"/>
+              <a:t>.</a:t>
+            </a:r>
           </a:p>
         </p:txBody>
       </p:sp>
@@ -804,7 +1070,7 @@
           <a:p>
             <a:fld id="{60FDF8BA-B6A2-CC4D-B552-37BF044E1040}" type="slidenum">
               <a:rPr lang="it-IT" smtClean="0"/>
-              <a:t>5</a:t>
+              <a:t>4</a:t>
             </a:fld>
             <a:endParaRPr lang="it-IT"/>
           </a:p>
@@ -813,7 +1079,7 @@
     </p:spTree>
     <p:extLst>
       <p:ext uri="{BB962C8B-B14F-4D97-AF65-F5344CB8AC3E}">
-        <p14:creationId xmlns:p14="http://schemas.microsoft.com/office/powerpoint/2010/main" val="3108101569"/>
+        <p14:creationId xmlns:p14="http://schemas.microsoft.com/office/powerpoint/2010/main" val="751845467"/>
       </p:ext>
     </p:extLst>
   </p:cSld>
@@ -869,36 +1135,29 @@
           <a:p>
             <a:r>
               <a:rPr lang="en-US"/>
-              <a:t>This is the preliminary UML class diagram of our application. Here we give an overview of the main domain entities and how they are conceptually related.</a:t>
-            </a:r>
-            <a:br>
-              <a:rPr lang="en-US">
-                <a:cs typeface="+mn-lt"/>
-              </a:rPr>
-            </a:br>
+              <a:t>This project integrates data from three different sources: Kaggle for beers and breweries, OpenDataBay for beer profiles and ratings, and RandomUser for the generation of synthetic user profiles.</a:t>
+            </a:r>
+            <a:endParaRPr lang="it-IT"/>
+          </a:p>
+          <a:p>
             <a:r>
               <a:rPr lang="en-US"/>
-              <a:t>Here we are three user roles — Unregistered User, Registered User and Admin — each with the actions they can perform in the system.</a:t>
-            </a:r>
-            <a:br>
-              <a:rPr lang="en-US">
-                <a:cs typeface="+mn-lt"/>
-              </a:rPr>
-            </a:br>
+              <a:t>The combined dataset contains information about beers and their characteristics, breweries, user reviews, and synthetic user profiles aligned with the reviews, for a total volume of about 56MB.</a:t>
+            </a:r>
+            <a:endParaRPr lang="it-IT"/>
+          </a:p>
+          <a:p>
             <a:r>
               <a:rPr lang="en-US"/>
-              <a:t>At the center of the domain we have the User class, which contains the core user information. Registered users can write reviews and follow breweries, while admins can manage the dataset and user accounts. Unregistered users can only login and signup. </a:t>
-            </a:r>
-            <a:br>
-              <a:rPr lang="en-US">
-                <a:cs typeface="+mn-lt"/>
-              </a:rPr>
-            </a:br>
-            <a:r>
-              <a:rPr lang="en-US"/>
-              <a:t>The main entities of the domain are User, Review, Beer, and Brewery, connected through simple associations: users write reviews, reviews refer to specific beers, and each beer is produced by a single brewery. This diagram summarizes the logical structure of the system and the interactions that will guide our database design in the next phase.</a:t>
+              <a:t>We ensured data variety using multiple independent sources, but also from the integration of the two beer datasets from Kaggle and OpenDataBay. Overall, the dataset contains several types of information — beer characteristics, brewery information, review text and user demographics — which contribute to its heterogeneity.</a:t>
             </a:r>
             <a:endParaRPr lang="it-IT"/>
+          </a:p>
+          <a:p>
+            <a:endParaRPr lang="en-US">
+              <a:ea typeface="Calibri"/>
+              <a:cs typeface="Calibri"/>
+            </a:endParaRPr>
           </a:p>
         </p:txBody>
       </p:sp>
@@ -919,7 +1178,7 @@
           <a:p>
             <a:fld id="{60FDF8BA-B6A2-CC4D-B552-37BF044E1040}" type="slidenum">
               <a:rPr lang="it-IT" smtClean="0"/>
-              <a:t>6</a:t>
+              <a:t>5</a:t>
             </a:fld>
             <a:endParaRPr lang="it-IT"/>
           </a:p>
@@ -928,7 +1187,7 @@
     </p:spTree>
     <p:extLst>
       <p:ext uri="{BB962C8B-B14F-4D97-AF65-F5344CB8AC3E}">
-        <p14:creationId xmlns:p14="http://schemas.microsoft.com/office/powerpoint/2010/main" val="1628838373"/>
+        <p14:creationId xmlns:p14="http://schemas.microsoft.com/office/powerpoint/2010/main" val="3108101569"/>
       </p:ext>
     </p:extLst>
   </p:cSld>
@@ -983,200 +1242,45 @@
           <a:lstStyle/>
           <a:p>
             <a:r>
-              <a:rPr lang="en-US" dirty="0">
-                <a:ea typeface="Calibri"/>
-                <a:cs typeface="Calibri"/>
-              </a:rPr>
-              <a:t>Le prime </a:t>
-            </a:r>
-            <a:r>
-              <a:rPr lang="en-US" dirty="0" err="1">
-                <a:ea typeface="Calibri"/>
-                <a:cs typeface="Calibri"/>
-              </a:rPr>
-              <a:t>basate</a:t>
-            </a:r>
-            <a:r>
-              <a:rPr lang="en-US" dirty="0">
-                <a:ea typeface="Calibri"/>
-                <a:cs typeface="Calibri"/>
-              </a:rPr>
-              <a:t> </a:t>
-            </a:r>
-            <a:r>
-              <a:rPr lang="en-US" dirty="0" err="1">
-                <a:ea typeface="Calibri"/>
-                <a:cs typeface="Calibri"/>
-              </a:rPr>
-              <a:t>su</a:t>
-            </a:r>
-            <a:r>
-              <a:rPr lang="en-US" dirty="0">
-                <a:ea typeface="Calibri"/>
-                <a:cs typeface="Calibri"/>
-              </a:rPr>
-              <a:t> find </a:t>
-            </a:r>
-            <a:r>
-              <a:rPr lang="en-US" dirty="0" err="1">
-                <a:ea typeface="Calibri"/>
-                <a:cs typeface="Calibri"/>
-              </a:rPr>
-              <a:t>accennarle</a:t>
-            </a:r>
-            <a:r>
-              <a:rPr lang="en-US" dirty="0">
-                <a:ea typeface="Calibri"/>
-                <a:cs typeface="Calibri"/>
-              </a:rPr>
-              <a:t> e basta, </a:t>
-            </a:r>
-            <a:r>
-              <a:rPr lang="en-US" dirty="0" err="1">
-                <a:ea typeface="Calibri"/>
-                <a:cs typeface="Calibri"/>
-              </a:rPr>
-              <a:t>soffermarsi</a:t>
-            </a:r>
-            <a:r>
-              <a:rPr lang="en-US" dirty="0">
-                <a:ea typeface="Calibri"/>
-                <a:cs typeface="Calibri"/>
-              </a:rPr>
-              <a:t> </a:t>
-            </a:r>
-            <a:r>
-              <a:rPr lang="en-US" dirty="0" err="1">
-                <a:ea typeface="Calibri"/>
-                <a:cs typeface="Calibri"/>
-              </a:rPr>
-              <a:t>sulle</a:t>
-            </a:r>
-            <a:r>
-              <a:rPr lang="en-US" dirty="0">
-                <a:ea typeface="Calibri"/>
-                <a:cs typeface="Calibri"/>
-              </a:rPr>
-              <a:t> </a:t>
-            </a:r>
-            <a:r>
-              <a:rPr lang="en-US" dirty="0" err="1">
-                <a:ea typeface="Calibri"/>
-                <a:cs typeface="Calibri"/>
-              </a:rPr>
-              <a:t>altre</a:t>
-            </a:r>
-            <a:r>
-              <a:rPr lang="en-US" dirty="0">
-                <a:ea typeface="Calibri"/>
-                <a:cs typeface="Calibri"/>
-              </a:rPr>
-              <a:t>.</a:t>
-            </a:r>
-          </a:p>
-          <a:p>
-            <a:r>
-              <a:rPr lang="en-US" dirty="0">
-                <a:ea typeface="Calibri"/>
-                <a:cs typeface="Calibri"/>
-              </a:rPr>
-              <a:t>Per la 5: </a:t>
-            </a:r>
-            <a:r>
-              <a:rPr lang="en-US" i="1" dirty="0"/>
-              <a:t>When a user opens the Beer Details page, the application performs an aggregation on the</a:t>
-            </a:r>
-            <a:r>
-              <a:rPr lang="en-US" dirty="0"/>
-              <a:t> </a:t>
-            </a:r>
-            <a:r>
-              <a:rPr lang="en-US" b="1" dirty="0"/>
-              <a:t>reviews</a:t>
-            </a:r>
-            <a:r>
-              <a:rPr lang="en-US" dirty="0"/>
-              <a:t> </a:t>
-            </a:r>
-            <a:r>
-              <a:rPr lang="en-US" i="1" dirty="0"/>
-              <a:t>collection to compute the</a:t>
-            </a:r>
-            <a:r>
-              <a:rPr lang="en-US" dirty="0"/>
-              <a:t> </a:t>
-            </a:r>
-            <a:r>
-              <a:rPr lang="en-US" b="1" dirty="0"/>
-              <a:t>average score</a:t>
-            </a:r>
-            <a:r>
-              <a:rPr lang="en-US" dirty="0"/>
-              <a:t> </a:t>
-            </a:r>
-            <a:r>
-              <a:rPr lang="en-US" i="1" dirty="0"/>
-              <a:t>and the</a:t>
-            </a:r>
-            <a:r>
-              <a:rPr lang="en-US" dirty="0"/>
-              <a:t> </a:t>
-            </a:r>
-            <a:r>
-              <a:rPr lang="en-US" b="1" dirty="0"/>
-              <a:t>total number of reviews</a:t>
-            </a:r>
-            <a:r>
-              <a:rPr lang="en-US" dirty="0"/>
-              <a:t> </a:t>
-            </a:r>
-            <a:r>
-              <a:rPr lang="en-US" i="1" dirty="0"/>
-              <a:t>for that beer. The results are then displayed in the page (e.g., “Average rating: 4.21 — 153 reviews”</a:t>
-            </a:r>
-            <a:endParaRPr lang="en-US" dirty="0"/>
-          </a:p>
-          <a:p>
-            <a:r>
-              <a:rPr lang="en-US" i="1" dirty="0">
-                <a:ea typeface="Calibri"/>
-                <a:cs typeface="Calibri"/>
-              </a:rPr>
-              <a:t>Per la 6: </a:t>
-            </a:r>
-            <a:r>
-              <a:rPr lang="en-US" i="1" dirty="0"/>
-              <a:t>The user selects a country in the browse/filters section.</a:t>
+              <a:rPr lang="en-US"/>
+              <a:t>This is the preliminary UML class diagram of our application. Here we give an overview of the main domain entities and how they are conceptually related.</a:t>
             </a:r>
             <a:br>
-              <a:rPr lang="en-US" i="1" dirty="0">
+              <a:rPr lang="en-US">
                 <a:cs typeface="+mn-lt"/>
               </a:rPr>
             </a:br>
             <a:r>
-              <a:rPr lang="en-US" i="1" dirty="0"/>
-              <a:t> The application runs an aggregation on the</a:t>
-            </a:r>
-            <a:r>
-              <a:rPr lang="en-US" dirty="0"/>
-              <a:t> </a:t>
-            </a:r>
-            <a:r>
-              <a:rPr lang="en-US" b="1" dirty="0"/>
-              <a:t>beers</a:t>
-            </a:r>
-            <a:r>
-              <a:rPr lang="en-US" dirty="0"/>
-              <a:t> </a:t>
-            </a:r>
-            <a:r>
-              <a:rPr lang="en-US" i="1" dirty="0"/>
-              <a:t>collection to determine the beer style with the highest number of beers in that country.</a:t>
-            </a:r>
-            <a:endParaRPr lang="en-US" i="1" dirty="0">
-              <a:ea typeface="Calibri"/>
-              <a:cs typeface="Calibri"/>
-            </a:endParaRPr>
+              <a:rPr lang="en-US"/>
+              <a:t>Here we are three user roles — Unregistered User, Registered User and Admin — each with the actions they can perform in the system.</a:t>
+            </a:r>
+            <a:br>
+              <a:rPr lang="en-US">
+                <a:cs typeface="+mn-lt"/>
+              </a:rPr>
+            </a:br>
+            <a:r>
+              <a:rPr lang="en-US"/>
+              <a:t>At the center of the domain we have the User class, which contains the core user information. Registered users can write reviews and follow breweries, while admins can manage the dataset and user accounts. Unregistered users can only login and signup. </a:t>
+            </a:r>
+            <a:br>
+              <a:rPr lang="en-US">
+                <a:cs typeface="+mn-lt"/>
+              </a:rPr>
+            </a:br>
+            <a:r>
+              <a:rPr lang="en-US"/>
+              <a:t>The main entities of the domain are User, Review, Beer, and Brewery, connected through simple associations: users write reviews, reviews refer to specific beers, and each beer is produced by a single brewery. Every user has the </a:t>
+            </a:r>
+            <a:r>
+              <a:rPr lang="en-US" err="1"/>
+              <a:t>possibilty</a:t>
+            </a:r>
+            <a:r>
+              <a:rPr lang="en-US"/>
+              <a:t> to follow one or more breweries. This diagram summarizes the logical structure of the system and the interactions that will guide our database design in the next phase.</a:t>
+            </a:r>
+            <a:endParaRPr lang="it-IT"/>
           </a:p>
         </p:txBody>
       </p:sp>
@@ -1197,7 +1301,7 @@
           <a:p>
             <a:fld id="{60FDF8BA-B6A2-CC4D-B552-37BF044E1040}" type="slidenum">
               <a:rPr lang="it-IT" smtClean="0"/>
-              <a:t>7</a:t>
+              <a:t>6</a:t>
             </a:fld>
             <a:endParaRPr lang="it-IT"/>
           </a:p>
@@ -1206,7 +1310,7 @@
     </p:spTree>
     <p:extLst>
       <p:ext uri="{BB962C8B-B14F-4D97-AF65-F5344CB8AC3E}">
-        <p14:creationId xmlns:p14="http://schemas.microsoft.com/office/powerpoint/2010/main" val="3753215950"/>
+        <p14:creationId xmlns:p14="http://schemas.microsoft.com/office/powerpoint/2010/main" val="1628838373"/>
       </p:ext>
     </p:extLst>
   </p:cSld>
@@ -1261,6 +1365,248 @@
           <a:lstStyle/>
           <a:p>
             <a:r>
+              <a:rPr lang="en-US"/>
+              <a:t>Here we summarize the functional requirements that are managed by the Document Database.</a:t>
+            </a:r>
+            <a:endParaRPr lang="it-IT"/>
+          </a:p>
+          <a:p>
+            <a:r>
+              <a:rPr lang="en-US"/>
+              <a:t>The first requirement is the ability to view detailed information about a selected beer.</a:t>
+            </a:r>
+            <a:endParaRPr lang="en-US">
+              <a:ea typeface="Calibri"/>
+              <a:cs typeface="Calibri"/>
+            </a:endParaRPr>
+          </a:p>
+          <a:p>
+            <a:r>
+              <a:rPr lang="en-US"/>
+              <a:t>We also allow users to browse and filter beers by different attributes or to show all reviews for a selected beer, including both the score and the text.</a:t>
+            </a:r>
+            <a:endParaRPr lang="en-US">
+              <a:ea typeface="Calibri"/>
+              <a:cs typeface="Calibri"/>
+            </a:endParaRPr>
+          </a:p>
+          <a:p>
+            <a:r>
+              <a:rPr lang="en-US"/>
+              <a:t>We also support beers suggestions based on user attributes such as favorite styles or regions according to the reviews made by the user himself.</a:t>
+            </a:r>
+            <a:endParaRPr lang="en-US">
+              <a:ea typeface="Calibri"/>
+              <a:cs typeface="Calibri"/>
+            </a:endParaRPr>
+          </a:p>
+          <a:p>
+            <a:r>
+              <a:rPr lang="en-US"/>
+              <a:t>A key analytical feature is computing the average rating and the total number of reviews for a beer. (SE CHIEDE: </a:t>
+            </a:r>
+            <a:r>
+              <a:rPr lang="en-US" i="1"/>
+              <a:t>When a user opens the Beer Details page, the application performs an aggregation on the</a:t>
+            </a:r>
+            <a:r>
+              <a:rPr lang="en-US"/>
+              <a:t> </a:t>
+            </a:r>
+            <a:r>
+              <a:rPr lang="en-US" b="1"/>
+              <a:t>reviews</a:t>
+            </a:r>
+            <a:r>
+              <a:rPr lang="en-US"/>
+              <a:t> </a:t>
+            </a:r>
+            <a:r>
+              <a:rPr lang="en-US" i="1"/>
+              <a:t>collection to compute the</a:t>
+            </a:r>
+            <a:r>
+              <a:rPr lang="en-US"/>
+              <a:t> </a:t>
+            </a:r>
+            <a:r>
+              <a:rPr lang="en-US" b="1"/>
+              <a:t>average score</a:t>
+            </a:r>
+            <a:r>
+              <a:rPr lang="en-US"/>
+              <a:t> </a:t>
+            </a:r>
+            <a:r>
+              <a:rPr lang="en-US" i="1"/>
+              <a:t>and the</a:t>
+            </a:r>
+            <a:r>
+              <a:rPr lang="en-US"/>
+              <a:t> </a:t>
+            </a:r>
+            <a:r>
+              <a:rPr lang="en-US" b="1"/>
+              <a:t>total number of reviews</a:t>
+            </a:r>
+            <a:r>
+              <a:rPr lang="en-US"/>
+              <a:t> </a:t>
+            </a:r>
+            <a:r>
+              <a:rPr lang="en-US" i="1"/>
+              <a:t>for that beer. The results are then displayed in the page (e.g., “Average rating: 4.21 — 153 reviews”)</a:t>
+            </a:r>
+            <a:r>
+              <a:rPr lang="en-US"/>
+              <a:t>)</a:t>
+            </a:r>
+            <a:endParaRPr lang="en-US">
+              <a:ea typeface="Calibri"/>
+              <a:cs typeface="Calibri"/>
+            </a:endParaRPr>
+          </a:p>
+          <a:p>
+            <a:r>
+              <a:rPr lang="en-US"/>
+              <a:t>And finally, we use Document DB to find the most common beer style for a user-selected country. ( SE </a:t>
+            </a:r>
+            <a:r>
+              <a:rPr lang="en-US" err="1"/>
+              <a:t>CHIEDE:</a:t>
+            </a:r>
+            <a:r>
+              <a:rPr lang="en-US" i="1" err="1"/>
+              <a:t>The</a:t>
+            </a:r>
+            <a:r>
+              <a:rPr lang="en-US" i="1"/>
+              <a:t> user selects a country in the browse/filters section. The application runs an aggregation on the</a:t>
+            </a:r>
+            <a:r>
+              <a:rPr lang="en-US"/>
+              <a:t> </a:t>
+            </a:r>
+            <a:r>
+              <a:rPr lang="en-US" b="1"/>
+              <a:t>beers</a:t>
+            </a:r>
+            <a:r>
+              <a:rPr lang="en-US"/>
+              <a:t> </a:t>
+            </a:r>
+            <a:r>
+              <a:rPr lang="en-US" i="1"/>
+              <a:t>collection to determine the beer style with the highest number of beers in that country.</a:t>
+            </a:r>
+            <a:r>
+              <a:rPr lang="en-US"/>
+              <a:t>)</a:t>
+            </a:r>
+            <a:endParaRPr lang="en-US" i="1">
+              <a:ea typeface="Calibri"/>
+              <a:cs typeface="Calibri"/>
+            </a:endParaRPr>
+          </a:p>
+          <a:p>
+            <a:r>
+              <a:rPr lang="en-US"/>
+              <a:t>The main entities involved are: beers, breweries, reviews and users.</a:t>
+            </a:r>
+            <a:endParaRPr lang="en-US">
+              <a:ea typeface="Calibri"/>
+              <a:cs typeface="Calibri"/>
+            </a:endParaRPr>
+          </a:p>
+          <a:p>
+            <a:endParaRPr lang="en-US" i="1">
+              <a:ea typeface="Calibri"/>
+              <a:cs typeface="Calibri"/>
+            </a:endParaRPr>
+          </a:p>
+        </p:txBody>
+      </p:sp>
+      <p:sp>
+        <p:nvSpPr>
+          <p:cNvPr id="4" name="Segnaposto numero diapositiva 3"/>
+          <p:cNvSpPr>
+            <a:spLocks noGrp="1"/>
+          </p:cNvSpPr>
+          <p:nvPr>
+            <p:ph type="sldNum" sz="quarter" idx="5"/>
+          </p:nvPr>
+        </p:nvSpPr>
+        <p:spPr/>
+        <p:txBody>
+          <a:bodyPr/>
+          <a:lstStyle/>
+          <a:p>
+            <a:fld id="{60FDF8BA-B6A2-CC4D-B552-37BF044E1040}" type="slidenum">
+              <a:rPr lang="it-IT" smtClean="0"/>
+              <a:t>7</a:t>
+            </a:fld>
+            <a:endParaRPr lang="it-IT"/>
+          </a:p>
+        </p:txBody>
+      </p:sp>
+    </p:spTree>
+    <p:extLst>
+      <p:ext uri="{BB962C8B-B14F-4D97-AF65-F5344CB8AC3E}">
+        <p14:creationId xmlns:p14="http://schemas.microsoft.com/office/powerpoint/2010/main" val="3753215950"/>
+      </p:ext>
+    </p:extLst>
+  </p:cSld>
+  <p:clrMapOvr>
+    <a:masterClrMapping/>
+  </p:clrMapOvr>
+</p:notes>
+</file>
+
+<file path=ppt/notesSlides/notesSlide7.xml><?xml version="1.0" encoding="utf-8"?>
+<p:notes xmlns:a="http://schemas.openxmlformats.org/drawingml/2006/main" xmlns:r="http://schemas.openxmlformats.org/officeDocument/2006/relationships" xmlns:p="http://schemas.openxmlformats.org/presentationml/2006/main">
+  <p:cSld>
+    <p:spTree>
+      <p:nvGrpSpPr>
+        <p:cNvPr id="1" name=""/>
+        <p:cNvGrpSpPr/>
+        <p:nvPr/>
+      </p:nvGrpSpPr>
+      <p:grpSpPr>
+        <a:xfrm>
+          <a:off x="0" y="0"/>
+          <a:ext cx="0" cy="0"/>
+          <a:chOff x="0" y="0"/>
+          <a:chExt cx="0" cy="0"/>
+        </a:xfrm>
+      </p:grpSpPr>
+      <p:sp>
+        <p:nvSpPr>
+          <p:cNvPr id="2" name="Segnaposto immagine diapositiva 1"/>
+          <p:cNvSpPr>
+            <a:spLocks noGrp="1" noRot="1" noChangeAspect="1"/>
+          </p:cNvSpPr>
+          <p:nvPr>
+            <p:ph type="sldImg"/>
+          </p:nvPr>
+        </p:nvSpPr>
+        <p:spPr/>
+      </p:sp>
+      <p:sp>
+        <p:nvSpPr>
+          <p:cNvPr id="3" name="Segnaposto note 2"/>
+          <p:cNvSpPr>
+            <a:spLocks noGrp="1"/>
+          </p:cNvSpPr>
+          <p:nvPr>
+            <p:ph type="body" idx="1"/>
+          </p:nvPr>
+        </p:nvSpPr>
+        <p:spPr/>
+        <p:txBody>
+          <a:bodyPr/>
+          <a:lstStyle/>
+          <a:p>
+            <a:r>
               <a:rPr lang="en-US">
                 <a:ea typeface="Calibri"/>
                 <a:cs typeface="Calibri"/>
@@ -1399,10 +1745,48 @@
               <a:rPr lang="en-US"/>
               <a:t> live in the same city.</a:t>
             </a:r>
+          </a:p>
+          <a:p>
             <a:endParaRPr lang="en-US">
               <a:ea typeface="Calibri"/>
               <a:cs typeface="Calibri"/>
             </a:endParaRPr>
+          </a:p>
+          <a:p>
+            <a:r>
+              <a:rPr lang="en-US">
+                <a:ea typeface="Calibri"/>
+                <a:cs typeface="Calibri"/>
+              </a:rPr>
+              <a:t>The secondary database used is a </a:t>
+            </a:r>
+            <a:r>
+              <a:rPr lang="en-US" err="1">
+                <a:ea typeface="Calibri"/>
+                <a:cs typeface="Calibri"/>
+              </a:rPr>
+              <a:t>graphDB</a:t>
+            </a:r>
+            <a:r>
+              <a:rPr lang="en-US">
+                <a:ea typeface="Calibri"/>
+                <a:cs typeface="Calibri"/>
+              </a:rPr>
+              <a:t>, that responds to the functional requirements focused on relations and social functionalities of the application. The entity will be Beer, Brewery and User and the possible edges will be: from beer (blue) to brewery (yellow) produced by, from user (green) to brewery (yellow) follows and from user (green) to beer (blue) review.</a:t>
+            </a:r>
+            <a:br>
+              <a:rPr lang="en-US">
+                <a:ea typeface="Calibri"/>
+                <a:cs typeface="Calibri"/>
+              </a:rPr>
+            </a:br>
+            <a:r>
+              <a:rPr lang="en-US">
+                <a:ea typeface="Calibri"/>
+                <a:cs typeface="Calibri"/>
+              </a:rPr>
+              <a:t>The main queries that will be done on this are to find users with similar taste, recommend breweries to follow and suggest drinking buddies.</a:t>
+            </a:r>
           </a:p>
           <a:p>
             <a:endParaRPr lang="en-US">
@@ -1650,7 +2034,7 @@
           <a:p>
             <a:fld id="{2FDCBEE4-315A-8E42-835E-29A1DAE07625}" type="datetimeFigureOut">
               <a:rPr lang="it-IT" smtClean="0"/>
-              <a:t>03/12/2025</a:t>
+              <a:t>15/12/2025</a:t>
             </a:fld>
             <a:endParaRPr lang="it-IT"/>
           </a:p>
@@ -1842,7 +2226,7 @@
           <a:p>
             <a:fld id="{2FDCBEE4-315A-8E42-835E-29A1DAE07625}" type="datetimeFigureOut">
               <a:rPr lang="it-IT" smtClean="0"/>
-              <a:t>03/12/2025</a:t>
+              <a:t>15/12/2025</a:t>
             </a:fld>
             <a:endParaRPr lang="it-IT"/>
           </a:p>
@@ -2044,7 +2428,7 @@
           <a:p>
             <a:fld id="{2FDCBEE4-315A-8E42-835E-29A1DAE07625}" type="datetimeFigureOut">
               <a:rPr lang="it-IT" smtClean="0"/>
-              <a:t>03/12/2025</a:t>
+              <a:t>15/12/2025</a:t>
             </a:fld>
             <a:endParaRPr lang="it-IT"/>
           </a:p>
@@ -2236,7 +2620,7 @@
           <a:p>
             <a:fld id="{2FDCBEE4-315A-8E42-835E-29A1DAE07625}" type="datetimeFigureOut">
               <a:rPr lang="it-IT" smtClean="0"/>
-              <a:t>03/12/2025</a:t>
+              <a:t>15/12/2025</a:t>
             </a:fld>
             <a:endParaRPr lang="it-IT"/>
           </a:p>
@@ -2505,7 +2889,7 @@
           <a:p>
             <a:fld id="{2FDCBEE4-315A-8E42-835E-29A1DAE07625}" type="datetimeFigureOut">
               <a:rPr lang="it-IT" smtClean="0"/>
-              <a:t>03/12/2025</a:t>
+              <a:t>15/12/2025</a:t>
             </a:fld>
             <a:endParaRPr lang="it-IT"/>
           </a:p>
@@ -2814,7 +3198,7 @@
           <a:p>
             <a:fld id="{2FDCBEE4-315A-8E42-835E-29A1DAE07625}" type="datetimeFigureOut">
               <a:rPr lang="it-IT" smtClean="0"/>
-              <a:t>03/12/2025</a:t>
+              <a:t>15/12/2025</a:t>
             </a:fld>
             <a:endParaRPr lang="it-IT"/>
           </a:p>
@@ -3257,7 +3641,7 @@
           <a:p>
             <a:fld id="{2FDCBEE4-315A-8E42-835E-29A1DAE07625}" type="datetimeFigureOut">
               <a:rPr lang="it-IT" smtClean="0"/>
-              <a:t>03/12/2025</a:t>
+              <a:t>15/12/2025</a:t>
             </a:fld>
             <a:endParaRPr lang="it-IT"/>
           </a:p>
@@ -3398,7 +3782,7 @@
           <a:p>
             <a:fld id="{2FDCBEE4-315A-8E42-835E-29A1DAE07625}" type="datetimeFigureOut">
               <a:rPr lang="it-IT" smtClean="0"/>
-              <a:t>03/12/2025</a:t>
+              <a:t>15/12/2025</a:t>
             </a:fld>
             <a:endParaRPr lang="it-IT"/>
           </a:p>
@@ -3517,7 +3901,7 @@
           <a:p>
             <a:fld id="{2FDCBEE4-315A-8E42-835E-29A1DAE07625}" type="datetimeFigureOut">
               <a:rPr lang="it-IT" smtClean="0"/>
-              <a:t>03/12/2025</a:t>
+              <a:t>15/12/2025</a:t>
             </a:fld>
             <a:endParaRPr lang="it-IT"/>
           </a:p>
@@ -3816,7 +4200,7 @@
           <a:p>
             <a:fld id="{2FDCBEE4-315A-8E42-835E-29A1DAE07625}" type="datetimeFigureOut">
               <a:rPr lang="it-IT" smtClean="0"/>
-              <a:t>03/12/2025</a:t>
+              <a:t>15/12/2025</a:t>
             </a:fld>
             <a:endParaRPr lang="it-IT"/>
           </a:p>
@@ -4092,7 +4476,7 @@
           <a:p>
             <a:fld id="{2FDCBEE4-315A-8E42-835E-29A1DAE07625}" type="datetimeFigureOut">
               <a:rPr lang="it-IT" smtClean="0"/>
-              <a:t>03/12/2025</a:t>
+              <a:t>15/12/2025</a:t>
             </a:fld>
             <a:endParaRPr lang="it-IT"/>
           </a:p>
@@ -5205,10 +5589,10 @@
               </a:spcBef>
             </a:pPr>
             <a:r>
-              <a:rPr lang="it-IT" sz="2400" b="1" dirty="0"/>
+              <a:rPr lang="it-IT" sz="2400" b="1"/>
               <a:t>Actors</a:t>
             </a:r>
-            <a:endParaRPr lang="it-IT" dirty="0"/>
+            <a:endParaRPr lang="it-IT"/>
           </a:p>
           <a:p>
             <a:pPr marL="342900" indent="-342900">
@@ -5222,74 +5606,74 @@
               <a:buChar char="•"/>
             </a:pPr>
             <a:r>
-              <a:rPr lang="it-IT" sz="2400" b="1" dirty="0" err="1"/>
+              <a:rPr lang="it-IT" sz="2400" b="1" err="1"/>
               <a:t>Unregistered</a:t>
             </a:r>
             <a:r>
-              <a:rPr lang="it-IT" sz="2400" b="1" dirty="0"/>
+              <a:rPr lang="it-IT" sz="2400" b="1"/>
               <a:t> user: </a:t>
             </a:r>
             <a:r>
-              <a:rPr lang="it-IT" sz="2400" dirty="0"/>
+              <a:rPr lang="it-IT" sz="2400"/>
               <a:t>can do the </a:t>
             </a:r>
             <a:r>
-              <a:rPr lang="it-IT" sz="2400" dirty="0" err="1"/>
+              <a:rPr lang="it-IT" sz="2400" err="1"/>
               <a:t>sign</a:t>
             </a:r>
             <a:r>
-              <a:rPr lang="it-IT" sz="2400" dirty="0"/>
+              <a:rPr lang="it-IT" sz="2400"/>
               <a:t> up. He can </a:t>
             </a:r>
             <a:r>
-              <a:rPr lang="it-IT" sz="2400" dirty="0" err="1"/>
+              <a:rPr lang="it-IT" sz="2400" err="1"/>
               <a:t>browse</a:t>
             </a:r>
             <a:r>
-              <a:rPr lang="it-IT" sz="2400" dirty="0"/>
+              <a:rPr lang="it-IT" sz="2400"/>
               <a:t> </a:t>
             </a:r>
             <a:r>
-              <a:rPr lang="it-IT" sz="2400" dirty="0" err="1"/>
+              <a:rPr lang="it-IT" sz="2400" err="1"/>
               <a:t>beers</a:t>
             </a:r>
             <a:r>
-              <a:rPr lang="it-IT" sz="2400" dirty="0"/>
+              <a:rPr lang="it-IT" sz="2400"/>
               <a:t> and </a:t>
             </a:r>
             <a:r>
-              <a:rPr lang="it-IT" sz="2400" dirty="0" err="1"/>
+              <a:rPr lang="it-IT" sz="2400" err="1"/>
               <a:t>breweries</a:t>
             </a:r>
             <a:r>
-              <a:rPr lang="it-IT" sz="2400" dirty="0"/>
+              <a:rPr lang="it-IT" sz="2400"/>
               <a:t> and </a:t>
             </a:r>
             <a:r>
-              <a:rPr lang="it-IT" sz="2400" dirty="0" err="1"/>
+              <a:rPr lang="it-IT" sz="2400" err="1"/>
               <a:t>see</a:t>
             </a:r>
             <a:r>
-              <a:rPr lang="it-IT" sz="2400" dirty="0"/>
+              <a:rPr lang="it-IT" sz="2400"/>
               <a:t> </a:t>
             </a:r>
             <a:r>
-              <a:rPr lang="it-IT" sz="2400" dirty="0" err="1"/>
+              <a:rPr lang="it-IT" sz="2400" err="1"/>
               <a:t>their</a:t>
             </a:r>
             <a:r>
-              <a:rPr lang="it-IT" sz="2400" dirty="0"/>
+              <a:rPr lang="it-IT" sz="2400"/>
               <a:t> </a:t>
             </a:r>
             <a:r>
-              <a:rPr lang="it-IT" sz="2400" dirty="0" err="1"/>
+              <a:rPr lang="it-IT" sz="2400" err="1"/>
               <a:t>details</a:t>
             </a:r>
             <a:r>
-              <a:rPr lang="it-IT" sz="2400" dirty="0"/>
+              <a:rPr lang="it-IT" sz="2400"/>
               <a:t>.</a:t>
             </a:r>
-            <a:endParaRPr lang="it-IT" sz="2400" dirty="0">
+            <a:endParaRPr lang="it-IT" sz="2400">
               <a:ea typeface="Calibri"/>
               <a:cs typeface="Calibri"/>
             </a:endParaRPr>
@@ -5306,34 +5690,34 @@
               <a:buChar char="•"/>
             </a:pPr>
             <a:r>
-              <a:rPr lang="it-IT" sz="2400" b="1" dirty="0" err="1"/>
+              <a:rPr lang="it-IT" sz="2400" b="1" err="1"/>
               <a:t>Registered</a:t>
             </a:r>
             <a:r>
-              <a:rPr lang="it-IT" sz="2400" b="1" dirty="0"/>
+              <a:rPr lang="it-IT" sz="2400" b="1"/>
               <a:t> user:</a:t>
             </a:r>
             <a:r>
-              <a:rPr lang="it-IT" sz="2400" dirty="0"/>
+              <a:rPr lang="it-IT" sz="2400"/>
               <a:t> can use </a:t>
             </a:r>
             <a:r>
-              <a:rPr lang="it-IT" sz="2400" dirty="0" err="1"/>
+              <a:rPr lang="it-IT" sz="2400" err="1"/>
               <a:t>all</a:t>
             </a:r>
             <a:r>
-              <a:rPr lang="it-IT" sz="2400" dirty="0"/>
+              <a:rPr lang="it-IT" sz="2400"/>
               <a:t> the features of the </a:t>
             </a:r>
             <a:r>
-              <a:rPr lang="it-IT" sz="2400" dirty="0" err="1"/>
+              <a:rPr lang="it-IT" sz="2400" err="1"/>
               <a:t>application</a:t>
             </a:r>
             <a:r>
-              <a:rPr lang="it-IT" sz="2400" dirty="0"/>
+              <a:rPr lang="it-IT" sz="2400"/>
               <a:t>.</a:t>
             </a:r>
-            <a:endParaRPr lang="it-IT" sz="2400" dirty="0">
+            <a:endParaRPr lang="it-IT" sz="2400">
               <a:ea typeface="Calibri"/>
               <a:cs typeface="Calibri"/>
             </a:endParaRPr>
@@ -5350,26 +5734,26 @@
               <a:buChar char="•"/>
             </a:pPr>
             <a:r>
-              <a:rPr lang="it-IT" sz="2400" b="1" dirty="0"/>
+              <a:rPr lang="it-IT" sz="2400" b="1"/>
               <a:t>Administrator: </a:t>
             </a:r>
             <a:r>
-              <a:rPr lang="it-IT" sz="2400" dirty="0" err="1"/>
+              <a:rPr lang="it-IT" sz="2400" err="1"/>
               <a:t>manages</a:t>
             </a:r>
             <a:r>
-              <a:rPr lang="it-IT" sz="2400" dirty="0"/>
+              <a:rPr lang="it-IT" sz="2400"/>
               <a:t> users and datasets. He can delete reviews and </a:t>
             </a:r>
             <a:r>
-              <a:rPr lang="it-IT" sz="2400" dirty="0" err="1"/>
+              <a:rPr lang="it-IT" sz="2400" err="1"/>
               <a:t>bad</a:t>
             </a:r>
             <a:r>
-              <a:rPr lang="it-IT" sz="2400" dirty="0"/>
+              <a:rPr lang="it-IT" sz="2400"/>
               <a:t> users.</a:t>
             </a:r>
-            <a:endParaRPr lang="it-IT" sz="2400" dirty="0">
+            <a:endParaRPr lang="it-IT" sz="2400">
               <a:ea typeface="Calibri"/>
               <a:cs typeface="Calibri"/>
             </a:endParaRPr>
@@ -5487,7 +5871,7 @@
           <p:nvPr/>
         </p:nvPicPr>
         <p:blipFill>
-          <a:blip r:embed="rId2"/>
+          <a:blip r:embed="rId3"/>
           <a:stretch>
             <a:fillRect/>
           </a:stretch>
@@ -5765,9 +6149,16 @@
             <p:ph type="title"/>
           </p:nvPr>
         </p:nvSpPr>
-        <p:spPr/>
-        <p:txBody>
-          <a:bodyPr/>
+        <p:spPr>
+          <a:xfrm>
+            <a:off x="182741" y="90093"/>
+            <a:ext cx="8761797" cy="1143000"/>
+          </a:xfrm>
+        </p:spPr>
+        <p:txBody>
+          <a:bodyPr anchor="ctr">
+            <a:normAutofit/>
+          </a:bodyPr>
           <a:lstStyle/>
           <a:p>
             <a:r>
@@ -5779,10 +6170,10 @@
       </p:sp>
       <p:pic>
         <p:nvPicPr>
-          <p:cNvPr id="3" name="Elemento grafico 2">
+          <p:cNvPr id="4" name="Elemento grafico 3">
             <a:extLst>
               <a:ext uri="{FF2B5EF4-FFF2-40B4-BE49-F238E27FC236}">
-                <a16:creationId xmlns:a16="http://schemas.microsoft.com/office/drawing/2014/main" id="{E312CEE7-89C0-94DA-95B2-07B30E93CFF3}"/>
+                <a16:creationId xmlns:a16="http://schemas.microsoft.com/office/drawing/2014/main" id="{88D278ED-7CB0-50D6-46FC-0BCBCEB3F583}"/>
               </a:ext>
             </a:extLst>
           </p:cNvPr>
@@ -5805,8 +6196,8 @@
         </p:blipFill>
         <p:spPr>
           <a:xfrm>
-            <a:off x="1130369" y="1323728"/>
-            <a:ext cx="6873728" cy="4216617"/>
+            <a:off x="505033" y="1350522"/>
+            <a:ext cx="8117212" cy="4794457"/>
           </a:xfrm>
           <a:prstGeom prst="rect">
             <a:avLst/>
@@ -5909,7 +6300,7 @@
           <a:lstStyle/>
           <a:p>
             <a:r>
-              <a:rPr lang="en-US" sz="2000" b="1" dirty="0">
+              <a:rPr lang="en-US" sz="2000" b="1">
                 <a:ea typeface="Calibri"/>
                 <a:cs typeface="Calibri"/>
               </a:rPr>
@@ -5922,13 +6313,13 @@
               <a:buChar char="•"/>
             </a:pPr>
             <a:r>
-              <a:rPr lang="en-US" sz="2000" dirty="0">
+              <a:rPr lang="en-US" sz="2000">
                 <a:ea typeface="+mn-lt"/>
                 <a:cs typeface="+mn-lt"/>
               </a:rPr>
               <a:t>View detailed beer information</a:t>
             </a:r>
-            <a:endParaRPr lang="en-US" sz="2000" dirty="0">
+            <a:endParaRPr lang="en-US" sz="2000">
               <a:ea typeface="Calibri"/>
               <a:cs typeface="Calibri"/>
             </a:endParaRPr>
@@ -5939,13 +6330,13 @@
               <a:buChar char="•"/>
             </a:pPr>
             <a:r>
-              <a:rPr lang="en-US" sz="2000" dirty="0">
+              <a:rPr lang="en-US" sz="2000">
                 <a:ea typeface="+mn-lt"/>
                 <a:cs typeface="+mn-lt"/>
               </a:rPr>
               <a:t>Browse and filter beers by style, country, brewery and ABV range</a:t>
             </a:r>
-            <a:endParaRPr lang="en-US" sz="2000" dirty="0">
+            <a:endParaRPr lang="en-US" sz="2000">
               <a:ea typeface="Calibri"/>
               <a:cs typeface="Calibri"/>
             </a:endParaRPr>
@@ -5956,7 +6347,7 @@
               <a:buChar char="•"/>
             </a:pPr>
             <a:r>
-              <a:rPr lang="en-US" sz="2000" dirty="0">
+              <a:rPr lang="en-US" sz="2000">
                 <a:ea typeface="+mn-lt"/>
                 <a:cs typeface="+mn-lt"/>
               </a:rPr>
@@ -5969,7 +6360,7 @@
               <a:buChar char="•"/>
             </a:pPr>
             <a:r>
-              <a:rPr lang="en-US" sz="2000" dirty="0">
+              <a:rPr lang="en-US" sz="2000">
                 <a:ea typeface="+mn-lt"/>
                 <a:cs typeface="+mn-lt"/>
               </a:rPr>
@@ -5982,13 +6373,13 @@
               <a:buChar char="•"/>
             </a:pPr>
             <a:r>
-              <a:rPr lang="en-US" sz="2000" dirty="0">
+              <a:rPr lang="en-US" sz="2000">
                 <a:ea typeface="+mn-lt"/>
                 <a:cs typeface="+mn-lt"/>
               </a:rPr>
               <a:t>Compute average rating and number of reviews for a selected beer</a:t>
             </a:r>
-            <a:endParaRPr lang="en-US" sz="2000" dirty="0">
+            <a:endParaRPr lang="en-US" sz="2000">
               <a:ea typeface="Calibri"/>
               <a:cs typeface="Calibri"/>
             </a:endParaRPr>
@@ -5999,13 +6390,13 @@
               <a:buChar char="•"/>
             </a:pPr>
             <a:r>
-              <a:rPr lang="en-US" sz="2000" dirty="0">
+              <a:rPr lang="en-US" sz="2000">
                 <a:ea typeface="+mn-lt"/>
                 <a:cs typeface="+mn-lt"/>
               </a:rPr>
               <a:t>Find the most common beer style for a user-selected country</a:t>
             </a:r>
-            <a:endParaRPr lang="en-US" sz="2000" dirty="0">
+            <a:endParaRPr lang="en-US" sz="2000">
               <a:ea typeface="Calibri"/>
               <a:cs typeface="Calibri"/>
             </a:endParaRPr>
@@ -6024,7 +6415,7 @@
           </a:p>
           <a:p>
             <a:r>
-              <a:rPr lang="en-US" sz="2000" b="1" dirty="0">
+              <a:rPr lang="en-US" sz="2000" b="1">
                 <a:ea typeface="Calibri"/>
                 <a:cs typeface="Calibri"/>
               </a:rPr>
@@ -6037,7 +6428,7 @@
               <a:buChar char="•"/>
             </a:pPr>
             <a:r>
-              <a:rPr lang="en-US" sz="2000" b="1" dirty="0">
+              <a:rPr lang="en-US" sz="2000" b="1">
                 <a:ea typeface="Calibri"/>
                 <a:cs typeface="Calibri"/>
               </a:rPr>
@@ -6050,7 +6441,7 @@
               <a:buChar char="•"/>
             </a:pPr>
             <a:r>
-              <a:rPr lang="en-US" sz="2000" b="1" dirty="0">
+              <a:rPr lang="en-US" sz="2000" b="1">
                 <a:ea typeface="Calibri"/>
                 <a:cs typeface="Calibri"/>
               </a:rPr>
@@ -6063,7 +6454,7 @@
               <a:buChar char="•"/>
             </a:pPr>
             <a:r>
-              <a:rPr lang="en-US" sz="2000" b="1" dirty="0">
+              <a:rPr lang="en-US" sz="2000" b="1">
                 <a:ea typeface="Calibri"/>
                 <a:cs typeface="Calibri"/>
               </a:rPr>
@@ -6076,7 +6467,7 @@
               <a:buChar char="•"/>
             </a:pPr>
             <a:r>
-              <a:rPr lang="en-US" sz="2000" b="1" dirty="0">
+              <a:rPr lang="en-US" sz="2000" b="1">
                 <a:ea typeface="Calibri"/>
                 <a:cs typeface="Calibri"/>
               </a:rPr>
@@ -7193,23 +7584,6 @@
 </file>
 
 <file path=customXml/item1.xml><?xml version="1.0" encoding="utf-8"?>
-<?mso-contentType ?>
-<FormTemplates xmlns="http://schemas.microsoft.com/sharepoint/v3/contenttype/forms">
-  <Display>DocumentLibraryForm</Display>
-  <Edit>DocumentLibraryForm</Edit>
-  <New>DocumentLibraryForm</New>
-</FormTemplates>
-</file>
-
-<file path=customXml/item2.xml><?xml version="1.0" encoding="utf-8"?>
-<p:properties xmlns:p="http://schemas.microsoft.com/office/2006/metadata/properties" xmlns:xsi="http://www.w3.org/2001/XMLSchema-instance" xmlns:pc="http://schemas.microsoft.com/office/infopath/2007/PartnerControls">
-  <documentManagement>
-    <_activity xmlns="962a8344-61eb-40a6-a8c2-c08ae08e811e" xsi:nil="true"/>
-  </documentManagement>
-</p:properties>
-</file>
-
-<file path=customXml/item3.xml><?xml version="1.0" encoding="utf-8"?>
 <ct:contentTypeSchema xmlns:ct="http://schemas.microsoft.com/office/2006/metadata/contentType" xmlns:ma="http://schemas.microsoft.com/office/2006/metadata/properties/metaAttributes" ct:_="" ma:_="" ma:contentTypeName="Document" ma:contentTypeID="0x0101002DB69086EF7D52488EA43A8A8A8360F4" ma:contentTypeVersion="12" ma:contentTypeDescription="Create a new document." ma:contentTypeScope="" ma:versionID="5da04bdbd18a28d4fc4c766b20356c6d">
   <xsd:schema xmlns:xsd="http://www.w3.org/2001/XMLSchema" xmlns:xs="http://www.w3.org/2001/XMLSchema" xmlns:p="http://schemas.microsoft.com/office/2006/metadata/properties" xmlns:ns3="962a8344-61eb-40a6-a8c2-c08ae08e811e" targetNamespace="http://schemas.microsoft.com/office/2006/metadata/properties" ma:root="true" ma:fieldsID="bf708581ce32e66f07d60efec5569451" ns3:_="">
     <xsd:import namespace="962a8344-61eb-40a6-a8c2-c08ae08e811e"/>
@@ -7405,31 +7779,24 @@
 </ct:contentTypeSchema>
 </file>
 
-<file path=customXml/itemProps1.xml><?xml version="1.0" encoding="utf-8"?>
-<ds:datastoreItem xmlns:ds="http://schemas.openxmlformats.org/officeDocument/2006/customXml" ds:itemID="{2E944F96-0BB4-4656-A999-A4993C5CAA76}">
-  <ds:schemaRefs>
-    <ds:schemaRef ds:uri="http://schemas.microsoft.com/sharepoint/v3/contenttype/forms"/>
-  </ds:schemaRefs>
-</ds:datastoreItem>
+<file path=customXml/item2.xml><?xml version="1.0" encoding="utf-8"?>
+<?mso-contentType ?>
+<FormTemplates xmlns="http://schemas.microsoft.com/sharepoint/v3/contenttype/forms">
+  <Display>DocumentLibraryForm</Display>
+  <Edit>DocumentLibraryForm</Edit>
+  <New>DocumentLibraryForm</New>
+</FormTemplates>
 </file>
 
-<file path=customXml/itemProps2.xml><?xml version="1.0" encoding="utf-8"?>
-<ds:datastoreItem xmlns:ds="http://schemas.openxmlformats.org/officeDocument/2006/customXml" ds:itemID="{FD8CD5C7-67C1-451F-B01A-3E2ECB0CCF33}">
-  <ds:schemaRefs>
-    <ds:schemaRef ds:uri="962a8344-61eb-40a6-a8c2-c08ae08e811e"/>
-    <ds:schemaRef ds:uri="http://purl.org/dc/dcmitype/"/>
-    <ds:schemaRef ds:uri="http://purl.org/dc/elements/1.1/"/>
-    <ds:schemaRef ds:uri="http://purl.org/dc/terms/"/>
-    <ds:schemaRef ds:uri="http://schemas.microsoft.com/office/2006/documentManagement/types"/>
-    <ds:schemaRef ds:uri="http://schemas.microsoft.com/office/2006/metadata/properties"/>
-    <ds:schemaRef ds:uri="http://schemas.microsoft.com/office/infopath/2007/PartnerControls"/>
-    <ds:schemaRef ds:uri="http://schemas.openxmlformats.org/package/2006/metadata/core-properties"/>
-    <ds:schemaRef ds:uri="http://www.w3.org/XML/1998/namespace"/>
-  </ds:schemaRefs>
-</ds:datastoreItem>
+<file path=customXml/item3.xml><?xml version="1.0" encoding="utf-8"?>
+<p:properties xmlns:p="http://schemas.microsoft.com/office/2006/metadata/properties" xmlns:xsi="http://www.w3.org/2001/XMLSchema-instance" xmlns:pc="http://schemas.microsoft.com/office/infopath/2007/PartnerControls">
+  <documentManagement>
+    <_activity xmlns="962a8344-61eb-40a6-a8c2-c08ae08e811e" xsi:nil="true"/>
+  </documentManagement>
+</p:properties>
 </file>
 
-<file path=customXml/itemProps3.xml><?xml version="1.0" encoding="utf-8"?>
+<file path=customXml/itemProps1.xml><?xml version="1.0" encoding="utf-8"?>
 <ds:datastoreItem xmlns:ds="http://schemas.openxmlformats.org/officeDocument/2006/customXml" ds:itemID="{0CB7F696-8E39-4A88-B8C8-34FAEDCC9FF1}">
   <ds:schemaRefs>
     <ds:schemaRef ds:uri="962a8344-61eb-40a6-a8c2-c08ae08e811e"/>
@@ -7445,4 +7812,28 @@
     <ds:schemaRef ds:uri="http://www.w3.org/2001/XMLSchema"/>
   </ds:schemaRefs>
 </ds:datastoreItem>
+</file>
+
+<file path=customXml/itemProps2.xml><?xml version="1.0" encoding="utf-8"?>
+<ds:datastoreItem xmlns:ds="http://schemas.openxmlformats.org/officeDocument/2006/customXml" ds:itemID="{2E944F96-0BB4-4656-A999-A4993C5CAA76}">
+  <ds:schemaRefs>
+    <ds:schemaRef ds:uri="http://schemas.microsoft.com/sharepoint/v3/contenttype/forms"/>
+  </ds:schemaRefs>
+</ds:datastoreItem>
+</file>
+
+<file path=customXml/itemProps3.xml><?xml version="1.0" encoding="utf-8"?>
+<ds:datastoreItem xmlns:ds="http://schemas.openxmlformats.org/officeDocument/2006/customXml" ds:itemID="{FD8CD5C7-67C1-451F-B01A-3E2ECB0CCF33}">
+  <ds:schemaRefs>
+    <ds:schemaRef ds:uri="962a8344-61eb-40a6-a8c2-c08ae08e811e"/>
+    <ds:schemaRef ds:uri="http://purl.org/dc/dcmitype/"/>
+    <ds:schemaRef ds:uri="http://purl.org/dc/elements/1.1/"/>
+    <ds:schemaRef ds:uri="http://purl.org/dc/terms/"/>
+    <ds:schemaRef ds:uri="http://schemas.microsoft.com/office/2006/documentManagement/types"/>
+    <ds:schemaRef ds:uri="http://schemas.microsoft.com/office/2006/metadata/properties"/>
+    <ds:schemaRef ds:uri="http://schemas.microsoft.com/office/infopath/2007/PartnerControls"/>
+    <ds:schemaRef ds:uri="http://schemas.openxmlformats.org/package/2006/metadata/core-properties"/>
+    <ds:schemaRef ds:uri="http://www.w3.org/XML/1998/namespace"/>
+  </ds:schemaRefs>
+</ds:datastoreItem>
 </file>